--- a/doc/part-b.pptx
+++ b/doc/part-b.pptx
@@ -7,12 +7,13 @@
   <p:sldIdLst>
     <p:sldId id="256" r:id="rId2"/>
     <p:sldId id="257" r:id="rId3"/>
-    <p:sldId id="259" r:id="rId4"/>
-    <p:sldId id="258" r:id="rId5"/>
-    <p:sldId id="260" r:id="rId6"/>
-    <p:sldId id="261" r:id="rId7"/>
-    <p:sldId id="262" r:id="rId8"/>
-    <p:sldId id="263" r:id="rId9"/>
+    <p:sldId id="264" r:id="rId4"/>
+    <p:sldId id="259" r:id="rId5"/>
+    <p:sldId id="258" r:id="rId6"/>
+    <p:sldId id="260" r:id="rId7"/>
+    <p:sldId id="261" r:id="rId8"/>
+    <p:sldId id="262" r:id="rId9"/>
+    <p:sldId id="263" r:id="rId10"/>
   </p:sldIdLst>
   <p:sldSz cx="12192000" cy="6858000"/>
   <p:notesSz cx="6858000" cy="9144000"/>
@@ -111,6 +112,11 @@
       </a:defRPr>
     </a:lvl9pPr>
   </p:defaultTextStyle>
+  <p:extLst>
+    <p:ext uri="{EFAFB233-063F-42B5-8137-9DF3F51BA10A}">
+      <p15:sldGuideLst xmlns:p15="http://schemas.microsoft.com/office/powerpoint/2012/main"/>
+    </p:ext>
+  </p:extLst>
 </p:presentation>
 </file>
 
@@ -305,7 +311,7 @@
           <a:p>
             <a:fld id="{E74B1561-1FC3-4AB8-A0E7-D8B0A60BF5E7}" type="datetimeFigureOut">
               <a:rPr lang="en-GB" smtClean="0"/>
-              <a:t>22/11/2021</a:t>
+              <a:t>25/11/2021</a:t>
             </a:fld>
             <a:endParaRPr lang="en-GB"/>
           </a:p>
@@ -741,7 +747,7 @@
           <a:p>
             <a:fld id="{E74B1561-1FC3-4AB8-A0E7-D8B0A60BF5E7}" type="datetimeFigureOut">
               <a:rPr lang="en-GB" smtClean="0"/>
-              <a:t>22/11/2021</a:t>
+              <a:t>25/11/2021</a:t>
             </a:fld>
             <a:endParaRPr lang="en-GB"/>
           </a:p>
@@ -991,7 +997,7 @@
           <a:p>
             <a:fld id="{E74B1561-1FC3-4AB8-A0E7-D8B0A60BF5E7}" type="datetimeFigureOut">
               <a:rPr lang="en-GB" smtClean="0"/>
-              <a:t>22/11/2021</a:t>
+              <a:t>25/11/2021</a:t>
             </a:fld>
             <a:endParaRPr lang="en-GB"/>
           </a:p>
@@ -1299,7 +1305,7 @@
           <a:p>
             <a:fld id="{E74B1561-1FC3-4AB8-A0E7-D8B0A60BF5E7}" type="datetimeFigureOut">
               <a:rPr lang="en-GB" smtClean="0"/>
-              <a:t>22/11/2021</a:t>
+              <a:t>25/11/2021</a:t>
             </a:fld>
             <a:endParaRPr lang="en-GB"/>
           </a:p>
@@ -1617,7 +1623,7 @@
           <a:p>
             <a:fld id="{E74B1561-1FC3-4AB8-A0E7-D8B0A60BF5E7}" type="datetimeFigureOut">
               <a:rPr lang="en-GB" smtClean="0"/>
-              <a:t>22/11/2021</a:t>
+              <a:t>25/11/2021</a:t>
             </a:fld>
             <a:endParaRPr lang="en-GB"/>
           </a:p>
@@ -1919,7 +1925,7 @@
           <a:p>
             <a:fld id="{E74B1561-1FC3-4AB8-A0E7-D8B0A60BF5E7}" type="datetimeFigureOut">
               <a:rPr lang="en-GB" smtClean="0"/>
-              <a:t>22/11/2021</a:t>
+              <a:t>25/11/2021</a:t>
             </a:fld>
             <a:endParaRPr lang="en-GB"/>
           </a:p>
@@ -2286,7 +2292,7 @@
           <a:p>
             <a:fld id="{E74B1561-1FC3-4AB8-A0E7-D8B0A60BF5E7}" type="datetimeFigureOut">
               <a:rPr lang="en-GB" smtClean="0"/>
-              <a:t>22/11/2021</a:t>
+              <a:t>25/11/2021</a:t>
             </a:fld>
             <a:endParaRPr lang="en-GB"/>
           </a:p>
@@ -2460,7 +2466,7 @@
           <a:p>
             <a:fld id="{E74B1561-1FC3-4AB8-A0E7-D8B0A60BF5E7}" type="datetimeFigureOut">
               <a:rPr lang="en-GB" smtClean="0"/>
-              <a:t>22/11/2021</a:t>
+              <a:t>25/11/2021</a:t>
             </a:fld>
             <a:endParaRPr lang="en-GB"/>
           </a:p>
@@ -2640,7 +2646,7 @@
           <a:p>
             <a:fld id="{E74B1561-1FC3-4AB8-A0E7-D8B0A60BF5E7}" type="datetimeFigureOut">
               <a:rPr lang="en-GB" smtClean="0"/>
-              <a:t>22/11/2021</a:t>
+              <a:t>25/11/2021</a:t>
             </a:fld>
             <a:endParaRPr lang="en-GB"/>
           </a:p>
@@ -2810,7 +2816,7 @@
           <a:p>
             <a:fld id="{E74B1561-1FC3-4AB8-A0E7-D8B0A60BF5E7}" type="datetimeFigureOut">
               <a:rPr lang="en-GB" smtClean="0"/>
-              <a:t>22/11/2021</a:t>
+              <a:t>25/11/2021</a:t>
             </a:fld>
             <a:endParaRPr lang="en-GB"/>
           </a:p>
@@ -3060,7 +3066,7 @@
           <a:p>
             <a:fld id="{E74B1561-1FC3-4AB8-A0E7-D8B0A60BF5E7}" type="datetimeFigureOut">
               <a:rPr lang="en-GB" smtClean="0"/>
-              <a:t>22/11/2021</a:t>
+              <a:t>25/11/2021</a:t>
             </a:fld>
             <a:endParaRPr lang="en-GB"/>
           </a:p>
@@ -3296,7 +3302,7 @@
           <a:p>
             <a:fld id="{E74B1561-1FC3-4AB8-A0E7-D8B0A60BF5E7}" type="datetimeFigureOut">
               <a:rPr lang="en-GB" smtClean="0"/>
-              <a:t>22/11/2021</a:t>
+              <a:t>25/11/2021</a:t>
             </a:fld>
             <a:endParaRPr lang="en-GB"/>
           </a:p>
@@ -3678,7 +3684,7 @@
           <a:p>
             <a:fld id="{E74B1561-1FC3-4AB8-A0E7-D8B0A60BF5E7}" type="datetimeFigureOut">
               <a:rPr lang="en-GB" smtClean="0"/>
-              <a:t>22/11/2021</a:t>
+              <a:t>25/11/2021</a:t>
             </a:fld>
             <a:endParaRPr lang="en-GB"/>
           </a:p>
@@ -3796,7 +3802,7 @@
           <a:p>
             <a:fld id="{E74B1561-1FC3-4AB8-A0E7-D8B0A60BF5E7}" type="datetimeFigureOut">
               <a:rPr lang="en-GB" smtClean="0"/>
-              <a:t>22/11/2021</a:t>
+              <a:t>25/11/2021</a:t>
             </a:fld>
             <a:endParaRPr lang="en-GB"/>
           </a:p>
@@ -3891,7 +3897,7 @@
           <a:p>
             <a:fld id="{E74B1561-1FC3-4AB8-A0E7-D8B0A60BF5E7}" type="datetimeFigureOut">
               <a:rPr lang="en-GB" smtClean="0"/>
-              <a:t>22/11/2021</a:t>
+              <a:t>25/11/2021</a:t>
             </a:fld>
             <a:endParaRPr lang="en-GB"/>
           </a:p>
@@ -4146,7 +4152,7 @@
           <a:p>
             <a:fld id="{E74B1561-1FC3-4AB8-A0E7-D8B0A60BF5E7}" type="datetimeFigureOut">
               <a:rPr lang="en-GB" smtClean="0"/>
-              <a:t>22/11/2021</a:t>
+              <a:t>25/11/2021</a:t>
             </a:fld>
             <a:endParaRPr lang="en-GB"/>
           </a:p>
@@ -4429,7 +4435,7 @@
           <a:p>
             <a:fld id="{E74B1561-1FC3-4AB8-A0E7-D8B0A60BF5E7}" type="datetimeFigureOut">
               <a:rPr lang="en-GB" smtClean="0"/>
-              <a:t>22/11/2021</a:t>
+              <a:t>25/11/2021</a:t>
             </a:fld>
             <a:endParaRPr lang="en-GB"/>
           </a:p>
@@ -4835,7 +4841,7 @@
           <a:p>
             <a:fld id="{E74B1561-1FC3-4AB8-A0E7-D8B0A60BF5E7}" type="datetimeFigureOut">
               <a:rPr lang="en-GB" smtClean="0"/>
-              <a:t>22/11/2021</a:t>
+              <a:t>25/11/2021</a:t>
             </a:fld>
             <a:endParaRPr lang="en-GB"/>
           </a:p>
@@ -5393,7 +5399,7 @@
           <a:p>
             <a:r>
               <a:rPr lang="en-SG" dirty="0"/>
-              <a:t>Fashion MNIST</a:t>
+              <a:t>CIFAR-10</a:t>
             </a:r>
             <a:br>
               <a:rPr lang="en-SG" dirty="0"/>
@@ -5523,18 +5529,150 @@
         </p:nvSpPr>
         <p:spPr>
           <a:xfrm>
-            <a:off x="684212" y="2429539"/>
-            <a:ext cx="8534400" cy="3615267"/>
+            <a:off x="684213" y="1964659"/>
+            <a:ext cx="5982402" cy="4542467"/>
           </a:xfrm>
         </p:spPr>
         <p:txBody>
           <a:bodyPr/>
           <a:lstStyle/>
           <a:p>
-            <a:endParaRPr lang="en-GB" dirty="0"/>
-          </a:p>
-        </p:txBody>
-      </p:sp>
+            <a:r>
+              <a:rPr lang="en-SG" dirty="0">
+                <a:solidFill>
+                  <a:schemeClr val="tx1">
+                    <a:lumMod val="95000"/>
+                  </a:schemeClr>
+                </a:solidFill>
+              </a:rPr>
+              <a:t>The data are of 32 by 32 pixel coloured images</a:t>
+            </a:r>
+          </a:p>
+          <a:p>
+            <a:r>
+              <a:rPr lang="en-SG" dirty="0">
+                <a:solidFill>
+                  <a:schemeClr val="tx1">
+                    <a:lumMod val="95000"/>
+                  </a:schemeClr>
+                </a:solidFill>
+              </a:rPr>
+              <a:t>There are no missing values</a:t>
+            </a:r>
+          </a:p>
+          <a:p>
+            <a:r>
+              <a:rPr lang="en-SG" dirty="0">
+                <a:solidFill>
+                  <a:schemeClr val="tx1">
+                    <a:lumMod val="95000"/>
+                  </a:schemeClr>
+                </a:solidFill>
+              </a:rPr>
+              <a:t>The class distribution is perfectly balanced</a:t>
+            </a:r>
+          </a:p>
+          <a:p>
+            <a:endParaRPr lang="en-GB" dirty="0">
+              <a:solidFill>
+                <a:schemeClr val="tx1">
+                  <a:lumMod val="95000"/>
+                </a:schemeClr>
+              </a:solidFill>
+            </a:endParaRPr>
+          </a:p>
+        </p:txBody>
+      </p:sp>
+      <p:pic>
+        <p:nvPicPr>
+          <p:cNvPr id="5" name="Picture 4">
+            <a:extLst>
+              <a:ext uri="{FF2B5EF4-FFF2-40B4-BE49-F238E27FC236}">
+                <a16:creationId xmlns:a16="http://schemas.microsoft.com/office/drawing/2014/main" id="{BCAEE7A2-5007-49C4-A3A4-32BA83F1A68C}"/>
+              </a:ext>
+            </a:extLst>
+          </p:cNvPr>
+          <p:cNvPicPr>
+            <a:picLocks noChangeAspect="1"/>
+          </p:cNvPicPr>
+          <p:nvPr/>
+        </p:nvPicPr>
+        <p:blipFill>
+          <a:blip r:embed="rId2"/>
+          <a:stretch>
+            <a:fillRect/>
+          </a:stretch>
+        </p:blipFill>
+        <p:spPr>
+          <a:xfrm>
+            <a:off x="8299783" y="513597"/>
+            <a:ext cx="3587645" cy="1013367"/>
+          </a:xfrm>
+          <a:prstGeom prst="rect">
+            <a:avLst/>
+          </a:prstGeom>
+        </p:spPr>
+      </p:pic>
+      <p:pic>
+        <p:nvPicPr>
+          <p:cNvPr id="7" name="Picture 6">
+            <a:extLst>
+              <a:ext uri="{FF2B5EF4-FFF2-40B4-BE49-F238E27FC236}">
+                <a16:creationId xmlns:a16="http://schemas.microsoft.com/office/drawing/2014/main" id="{A4561E97-49AC-4E87-8B60-0998BEC218A5}"/>
+              </a:ext>
+            </a:extLst>
+          </p:cNvPr>
+          <p:cNvPicPr>
+            <a:picLocks noChangeAspect="1"/>
+          </p:cNvPicPr>
+          <p:nvPr/>
+        </p:nvPicPr>
+        <p:blipFill>
+          <a:blip r:embed="rId3"/>
+          <a:stretch>
+            <a:fillRect/>
+          </a:stretch>
+        </p:blipFill>
+        <p:spPr>
+          <a:xfrm>
+            <a:off x="8299783" y="1677914"/>
+            <a:ext cx="2343477" cy="1038370"/>
+          </a:xfrm>
+          <a:prstGeom prst="rect">
+            <a:avLst/>
+          </a:prstGeom>
+        </p:spPr>
+      </p:pic>
+      <p:pic>
+        <p:nvPicPr>
+          <p:cNvPr id="9" name="Picture 8">
+            <a:extLst>
+              <a:ext uri="{FF2B5EF4-FFF2-40B4-BE49-F238E27FC236}">
+                <a16:creationId xmlns:a16="http://schemas.microsoft.com/office/drawing/2014/main" id="{BD8D29C8-C06E-4C06-9D1C-0328AA6CD5E3}"/>
+              </a:ext>
+            </a:extLst>
+          </p:cNvPr>
+          <p:cNvPicPr>
+            <a:picLocks noChangeAspect="1"/>
+          </p:cNvPicPr>
+          <p:nvPr/>
+        </p:nvPicPr>
+        <p:blipFill>
+          <a:blip r:embed="rId4"/>
+          <a:stretch>
+            <a:fillRect/>
+          </a:stretch>
+        </p:blipFill>
+        <p:spPr>
+          <a:xfrm>
+            <a:off x="8299784" y="2826294"/>
+            <a:ext cx="3587645" cy="3860125"/>
+          </a:xfrm>
+          <a:prstGeom prst="rect">
+            <a:avLst/>
+          </a:prstGeom>
+        </p:spPr>
+      </p:pic>
     </p:spTree>
     <p:extLst>
       <p:ext uri="{BB962C8B-B14F-4D97-AF65-F5344CB8AC3E}">
@@ -5593,7 +5731,7 @@
           <a:p>
             <a:r>
               <a:rPr lang="en-SG" dirty="0"/>
-              <a:t>Feature Engineering</a:t>
+              <a:t>Exploratory Data Analysis</a:t>
             </a:r>
             <a:endParaRPr lang="en-GB" dirty="0"/>
           </a:p>
@@ -5617,22 +5755,237 @@
         </p:nvSpPr>
         <p:spPr>
           <a:xfrm>
-            <a:off x="684212" y="2429539"/>
-            <a:ext cx="8534400" cy="3615267"/>
-          </a:xfrm>
-        </p:spPr>
-        <p:txBody>
-          <a:bodyPr/>
-          <a:lstStyle/>
-          <a:p>
-            <a:endParaRPr lang="en-GB" dirty="0"/>
-          </a:p>
-        </p:txBody>
-      </p:sp>
+            <a:off x="684213" y="1677915"/>
+            <a:ext cx="4160528" cy="4829212"/>
+          </a:xfrm>
+        </p:spPr>
+        <p:txBody>
+          <a:bodyPr>
+            <a:normAutofit lnSpcReduction="10000"/>
+          </a:bodyPr>
+          <a:lstStyle/>
+          <a:p>
+            <a:r>
+              <a:rPr lang="en-SG" dirty="0">
+                <a:solidFill>
+                  <a:schemeClr val="tx1"/>
+                </a:solidFill>
+              </a:rPr>
+              <a:t>The data are of 32 by 32 pixel coloured images</a:t>
+            </a:r>
+          </a:p>
+          <a:p>
+            <a:r>
+              <a:rPr lang="en-SG" dirty="0">
+                <a:solidFill>
+                  <a:schemeClr val="tx1"/>
+                </a:solidFill>
+              </a:rPr>
+              <a:t>There are no missing values</a:t>
+            </a:r>
+          </a:p>
+          <a:p>
+            <a:r>
+              <a:rPr lang="en-SG" dirty="0">
+                <a:solidFill>
+                  <a:schemeClr val="tx1"/>
+                </a:solidFill>
+              </a:rPr>
+              <a:t>The class distribution is perfectly balanced</a:t>
+            </a:r>
+          </a:p>
+          <a:p>
+            <a:r>
+              <a:rPr lang="en-SG" dirty="0">
+                <a:solidFill>
+                  <a:schemeClr val="tx1">
+                    <a:lumMod val="95000"/>
+                  </a:schemeClr>
+                </a:solidFill>
+              </a:rPr>
+              <a:t>Unfortunately, the pixel value distribution is clustered at around ~120</a:t>
+            </a:r>
+          </a:p>
+          <a:p>
+            <a:r>
+              <a:rPr lang="en-SG" dirty="0">
+                <a:solidFill>
+                  <a:schemeClr val="tx1">
+                    <a:lumMod val="95000"/>
+                  </a:schemeClr>
+                </a:solidFill>
+              </a:rPr>
+              <a:t>This means that the images are of low contrast</a:t>
+            </a:r>
+          </a:p>
+          <a:p>
+            <a:r>
+              <a:rPr lang="en-SG" dirty="0">
+                <a:solidFill>
+                  <a:schemeClr val="tx1">
+                    <a:lumMod val="95000"/>
+                  </a:schemeClr>
+                </a:solidFill>
+              </a:rPr>
+              <a:t>The pixel sum distribution (not shown) is normal, which means that most of the images are not bogus</a:t>
+            </a:r>
+          </a:p>
+        </p:txBody>
+      </p:sp>
+      <p:pic>
+        <p:nvPicPr>
+          <p:cNvPr id="5" name="Picture 4">
+            <a:extLst>
+              <a:ext uri="{FF2B5EF4-FFF2-40B4-BE49-F238E27FC236}">
+                <a16:creationId xmlns:a16="http://schemas.microsoft.com/office/drawing/2014/main" id="{BCAEE7A2-5007-49C4-A3A4-32BA83F1A68C}"/>
+              </a:ext>
+            </a:extLst>
+          </p:cNvPr>
+          <p:cNvPicPr>
+            <a:picLocks noChangeAspect="1"/>
+          </p:cNvPicPr>
+          <p:nvPr/>
+        </p:nvPicPr>
+        <p:blipFill>
+          <a:blip r:embed="rId2"/>
+          <a:stretch>
+            <a:fillRect/>
+          </a:stretch>
+        </p:blipFill>
+        <p:spPr>
+          <a:xfrm>
+            <a:off x="8299783" y="513597"/>
+            <a:ext cx="3587645" cy="1013367"/>
+          </a:xfrm>
+          <a:prstGeom prst="rect">
+            <a:avLst/>
+          </a:prstGeom>
+        </p:spPr>
+      </p:pic>
+      <p:pic>
+        <p:nvPicPr>
+          <p:cNvPr id="7" name="Picture 6">
+            <a:extLst>
+              <a:ext uri="{FF2B5EF4-FFF2-40B4-BE49-F238E27FC236}">
+                <a16:creationId xmlns:a16="http://schemas.microsoft.com/office/drawing/2014/main" id="{A4561E97-49AC-4E87-8B60-0998BEC218A5}"/>
+              </a:ext>
+            </a:extLst>
+          </p:cNvPr>
+          <p:cNvPicPr>
+            <a:picLocks noChangeAspect="1"/>
+          </p:cNvPicPr>
+          <p:nvPr/>
+        </p:nvPicPr>
+        <p:blipFill>
+          <a:blip r:embed="rId3"/>
+          <a:stretch>
+            <a:fillRect/>
+          </a:stretch>
+        </p:blipFill>
+        <p:spPr>
+          <a:xfrm>
+            <a:off x="8299783" y="1677914"/>
+            <a:ext cx="2343477" cy="1038370"/>
+          </a:xfrm>
+          <a:prstGeom prst="rect">
+            <a:avLst/>
+          </a:prstGeom>
+        </p:spPr>
+      </p:pic>
+      <p:pic>
+        <p:nvPicPr>
+          <p:cNvPr id="9" name="Picture 8">
+            <a:extLst>
+              <a:ext uri="{FF2B5EF4-FFF2-40B4-BE49-F238E27FC236}">
+                <a16:creationId xmlns:a16="http://schemas.microsoft.com/office/drawing/2014/main" id="{BD8D29C8-C06E-4C06-9D1C-0328AA6CD5E3}"/>
+              </a:ext>
+            </a:extLst>
+          </p:cNvPr>
+          <p:cNvPicPr>
+            <a:picLocks noChangeAspect="1"/>
+          </p:cNvPicPr>
+          <p:nvPr/>
+        </p:nvPicPr>
+        <p:blipFill>
+          <a:blip r:embed="rId4"/>
+          <a:stretch>
+            <a:fillRect/>
+          </a:stretch>
+        </p:blipFill>
+        <p:spPr>
+          <a:xfrm>
+            <a:off x="8299784" y="2826294"/>
+            <a:ext cx="3587645" cy="3860125"/>
+          </a:xfrm>
+          <a:prstGeom prst="rect">
+            <a:avLst/>
+          </a:prstGeom>
+        </p:spPr>
+      </p:pic>
+      <p:pic>
+        <p:nvPicPr>
+          <p:cNvPr id="6" name="Picture 5">
+            <a:extLst>
+              <a:ext uri="{FF2B5EF4-FFF2-40B4-BE49-F238E27FC236}">
+                <a16:creationId xmlns:a16="http://schemas.microsoft.com/office/drawing/2014/main" id="{F7CFD12A-5E70-4F20-ABBA-314D6EEDD2F6}"/>
+              </a:ext>
+            </a:extLst>
+          </p:cNvPr>
+          <p:cNvPicPr>
+            <a:picLocks noChangeAspect="1"/>
+          </p:cNvPicPr>
+          <p:nvPr/>
+        </p:nvPicPr>
+        <p:blipFill>
+          <a:blip r:embed="rId5"/>
+          <a:stretch>
+            <a:fillRect/>
+          </a:stretch>
+        </p:blipFill>
+        <p:spPr>
+          <a:xfrm>
+            <a:off x="5630967" y="1677914"/>
+            <a:ext cx="2343477" cy="2372056"/>
+          </a:xfrm>
+          <a:prstGeom prst="rect">
+            <a:avLst/>
+          </a:prstGeom>
+        </p:spPr>
+      </p:pic>
+      <p:pic>
+        <p:nvPicPr>
+          <p:cNvPr id="10" name="Picture 9">
+            <a:extLst>
+              <a:ext uri="{FF2B5EF4-FFF2-40B4-BE49-F238E27FC236}">
+                <a16:creationId xmlns:a16="http://schemas.microsoft.com/office/drawing/2014/main" id="{848C03EE-A84F-40A5-BA6D-0D65B5563FA8}"/>
+              </a:ext>
+            </a:extLst>
+          </p:cNvPr>
+          <p:cNvPicPr>
+            <a:picLocks noChangeAspect="1"/>
+          </p:cNvPicPr>
+          <p:nvPr/>
+        </p:nvPicPr>
+        <p:blipFill>
+          <a:blip r:embed="rId6"/>
+          <a:stretch>
+            <a:fillRect/>
+          </a:stretch>
+        </p:blipFill>
+        <p:spPr>
+          <a:xfrm>
+            <a:off x="5007410" y="4409793"/>
+            <a:ext cx="3129704" cy="2160233"/>
+          </a:xfrm>
+          <a:prstGeom prst="rect">
+            <a:avLst/>
+          </a:prstGeom>
+        </p:spPr>
+      </p:pic>
     </p:spTree>
     <p:extLst>
       <p:ext uri="{BB962C8B-B14F-4D97-AF65-F5344CB8AC3E}">
-        <p14:creationId xmlns:p14="http://schemas.microsoft.com/office/powerpoint/2010/main" val="4037483209"/>
+        <p14:creationId xmlns:p14="http://schemas.microsoft.com/office/powerpoint/2010/main" val="1501444071"/>
       </p:ext>
     </p:extLst>
   </p:cSld>
@@ -5687,7 +6040,7 @@
           <a:p>
             <a:r>
               <a:rPr lang="en-SG" dirty="0"/>
-              <a:t>Model – Deciding Architecture</a:t>
+              <a:t>Feature Engineering</a:t>
             </a:r>
             <a:endParaRPr lang="en-GB" dirty="0"/>
           </a:p>
@@ -5711,22 +6064,146 @@
         </p:nvSpPr>
         <p:spPr>
           <a:xfrm>
-            <a:off x="684212" y="2429539"/>
-            <a:ext cx="8534400" cy="3615267"/>
-          </a:xfrm>
-        </p:spPr>
-        <p:txBody>
-          <a:bodyPr/>
-          <a:lstStyle/>
-          <a:p>
-            <a:endParaRPr lang="en-GB" dirty="0"/>
-          </a:p>
-        </p:txBody>
-      </p:sp>
+            <a:off x="684213" y="1796902"/>
+            <a:ext cx="5759118" cy="4763385"/>
+          </a:xfrm>
+        </p:spPr>
+        <p:txBody>
+          <a:bodyPr>
+            <a:normAutofit/>
+          </a:bodyPr>
+          <a:lstStyle/>
+          <a:p>
+            <a:r>
+              <a:rPr lang="en-SG" dirty="0">
+                <a:solidFill>
+                  <a:schemeClr val="tx1"/>
+                </a:solidFill>
+              </a:rPr>
+              <a:t>The data was normalized by dividing all the pixel values by 255.0 (which is the largest possible value for a colour pigment)</a:t>
+            </a:r>
+          </a:p>
+          <a:p>
+            <a:r>
+              <a:rPr lang="en-SG" dirty="0">
+                <a:solidFill>
+                  <a:schemeClr val="tx1">
+                    <a:lumMod val="95000"/>
+                  </a:schemeClr>
+                </a:solidFill>
+              </a:rPr>
+              <a:t>Contrast was increased by decreasing the values near and below 128 and increasing those near and greater than or equal to 128</a:t>
+            </a:r>
+          </a:p>
+          <a:p>
+            <a:r>
+              <a:rPr lang="en-SG" dirty="0">
+                <a:solidFill>
+                  <a:schemeClr val="tx1">
+                    <a:lumMod val="95000"/>
+                  </a:schemeClr>
+                </a:solidFill>
+              </a:rPr>
+              <a:t>Target labels were one-hot encoded</a:t>
+            </a:r>
+          </a:p>
+          <a:p>
+            <a:r>
+              <a:rPr lang="en-SG" dirty="0">
+                <a:solidFill>
+                  <a:schemeClr val="tx1">
+                    <a:lumMod val="95000"/>
+                  </a:schemeClr>
+                </a:solidFill>
+              </a:rPr>
+              <a:t>A grayscale version of the data was also prepared</a:t>
+            </a:r>
+          </a:p>
+          <a:p>
+            <a:r>
+              <a:rPr lang="en-SG" dirty="0">
+                <a:solidFill>
+                  <a:schemeClr val="tx1">
+                    <a:lumMod val="95000"/>
+                  </a:schemeClr>
+                </a:solidFill>
+              </a:rPr>
+              <a:t>Image augmentation would be tested later for comparison</a:t>
+            </a:r>
+            <a:endParaRPr lang="en-GB" dirty="0">
+              <a:solidFill>
+                <a:schemeClr val="tx1">
+                  <a:lumMod val="95000"/>
+                </a:schemeClr>
+              </a:solidFill>
+            </a:endParaRPr>
+          </a:p>
+        </p:txBody>
+      </p:sp>
+      <p:pic>
+        <p:nvPicPr>
+          <p:cNvPr id="5" name="Picture 4">
+            <a:extLst>
+              <a:ext uri="{FF2B5EF4-FFF2-40B4-BE49-F238E27FC236}">
+                <a16:creationId xmlns:a16="http://schemas.microsoft.com/office/drawing/2014/main" id="{727EFFA6-0F58-40B7-A34D-2C65A76BA301}"/>
+              </a:ext>
+            </a:extLst>
+          </p:cNvPr>
+          <p:cNvPicPr>
+            <a:picLocks noChangeAspect="1"/>
+          </p:cNvPicPr>
+          <p:nvPr/>
+        </p:nvPicPr>
+        <p:blipFill>
+          <a:blip r:embed="rId2"/>
+          <a:stretch>
+            <a:fillRect/>
+          </a:stretch>
+        </p:blipFill>
+        <p:spPr>
+          <a:xfrm>
+            <a:off x="6618763" y="399113"/>
+            <a:ext cx="5199698" cy="2269991"/>
+          </a:xfrm>
+          <a:prstGeom prst="rect">
+            <a:avLst/>
+          </a:prstGeom>
+        </p:spPr>
+      </p:pic>
+      <p:pic>
+        <p:nvPicPr>
+          <p:cNvPr id="7" name="Picture 6">
+            <a:extLst>
+              <a:ext uri="{FF2B5EF4-FFF2-40B4-BE49-F238E27FC236}">
+                <a16:creationId xmlns:a16="http://schemas.microsoft.com/office/drawing/2014/main" id="{0B228B6F-E258-45A5-B5BD-C2D7D3DFA5FE}"/>
+              </a:ext>
+            </a:extLst>
+          </p:cNvPr>
+          <p:cNvPicPr>
+            <a:picLocks noChangeAspect="1"/>
+          </p:cNvPicPr>
+          <p:nvPr/>
+        </p:nvPicPr>
+        <p:blipFill>
+          <a:blip r:embed="rId3"/>
+          <a:stretch>
+            <a:fillRect/>
+          </a:stretch>
+        </p:blipFill>
+        <p:spPr>
+          <a:xfrm>
+            <a:off x="7352411" y="2893911"/>
+            <a:ext cx="3535330" cy="3564976"/>
+          </a:xfrm>
+          <a:prstGeom prst="rect">
+            <a:avLst/>
+          </a:prstGeom>
+        </p:spPr>
+      </p:pic>
     </p:spTree>
     <p:extLst>
       <p:ext uri="{BB962C8B-B14F-4D97-AF65-F5344CB8AC3E}">
-        <p14:creationId xmlns:p14="http://schemas.microsoft.com/office/powerpoint/2010/main" val="1529209749"/>
+        <p14:creationId xmlns:p14="http://schemas.microsoft.com/office/powerpoint/2010/main" val="4037483209"/>
       </p:ext>
     </p:extLst>
   </p:cSld>
@@ -5772,7 +6249,7 @@
         <p:spPr>
           <a:xfrm>
             <a:off x="684212" y="457592"/>
-            <a:ext cx="8534400" cy="1507067"/>
+            <a:ext cx="6280114" cy="1507067"/>
           </a:xfrm>
         </p:spPr>
         <p:txBody>
@@ -5781,7 +6258,7 @@
           <a:p>
             <a:r>
               <a:rPr lang="en-SG" dirty="0"/>
-              <a:t>Model – Deciding Architecture</a:t>
+              <a:t>Model – Baseline</a:t>
             </a:r>
             <a:endParaRPr lang="en-GB" dirty="0"/>
           </a:p>
@@ -5805,22 +6282,134 @@
         </p:nvSpPr>
         <p:spPr>
           <a:xfrm>
-            <a:off x="684212" y="2429539"/>
-            <a:ext cx="8534400" cy="3615267"/>
+            <a:off x="684212" y="1765005"/>
+            <a:ext cx="5950504" cy="4486939"/>
           </a:xfrm>
         </p:spPr>
         <p:txBody>
           <a:bodyPr/>
           <a:lstStyle/>
           <a:p>
-            <a:endParaRPr lang="en-GB" dirty="0"/>
-          </a:p>
-        </p:txBody>
-      </p:sp>
+            <a:r>
+              <a:rPr lang="en-SG" dirty="0">
+                <a:solidFill>
+                  <a:schemeClr val="tx1">
+                    <a:lumMod val="95000"/>
+                  </a:schemeClr>
+                </a:solidFill>
+              </a:rPr>
+              <a:t>A simple DNN (above) scores ~0.3 for accuracy</a:t>
+            </a:r>
+          </a:p>
+          <a:p>
+            <a:r>
+              <a:rPr lang="en-SG" dirty="0">
+                <a:solidFill>
+                  <a:schemeClr val="tx1">
+                    <a:lumMod val="95000"/>
+                  </a:schemeClr>
+                </a:solidFill>
+              </a:rPr>
+              <a:t>A simple CNN (below) [1 convolutional layer] performs better, with an improved accuracy of ~0.45</a:t>
+            </a:r>
+          </a:p>
+          <a:p>
+            <a:r>
+              <a:rPr lang="en-SG" dirty="0">
+                <a:solidFill>
+                  <a:schemeClr val="tx1">
+                    <a:lumMod val="95000"/>
+                  </a:schemeClr>
+                </a:solidFill>
+              </a:rPr>
+              <a:t>A third slightly more complex CNN scores 0.54 but is heavily overfitted</a:t>
+            </a:r>
+          </a:p>
+          <a:p>
+            <a:r>
+              <a:rPr lang="en-SG" dirty="0">
+                <a:solidFill>
+                  <a:schemeClr val="tx1">
+                    <a:lumMod val="95000"/>
+                  </a:schemeClr>
+                </a:solidFill>
+              </a:rPr>
+              <a:t>All 3 baselines are quite bad</a:t>
+            </a:r>
+            <a:endParaRPr lang="en-GB" dirty="0">
+              <a:solidFill>
+                <a:schemeClr val="tx1">
+                  <a:lumMod val="95000"/>
+                </a:schemeClr>
+              </a:solidFill>
+            </a:endParaRPr>
+          </a:p>
+        </p:txBody>
+      </p:sp>
+      <p:pic>
+        <p:nvPicPr>
+          <p:cNvPr id="5" name="Picture 4">
+            <a:extLst>
+              <a:ext uri="{FF2B5EF4-FFF2-40B4-BE49-F238E27FC236}">
+                <a16:creationId xmlns:a16="http://schemas.microsoft.com/office/drawing/2014/main" id="{9A77405D-532D-42A1-B8D7-4E90FBC127E6}"/>
+              </a:ext>
+            </a:extLst>
+          </p:cNvPr>
+          <p:cNvPicPr>
+            <a:picLocks noChangeAspect="1"/>
+          </p:cNvPicPr>
+          <p:nvPr/>
+        </p:nvPicPr>
+        <p:blipFill>
+          <a:blip r:embed="rId2"/>
+          <a:stretch>
+            <a:fillRect/>
+          </a:stretch>
+        </p:blipFill>
+        <p:spPr>
+          <a:xfrm>
+            <a:off x="7163637" y="264149"/>
+            <a:ext cx="4574708" cy="3078977"/>
+          </a:xfrm>
+          <a:prstGeom prst="rect">
+            <a:avLst/>
+          </a:prstGeom>
+        </p:spPr>
+      </p:pic>
+      <p:pic>
+        <p:nvPicPr>
+          <p:cNvPr id="7" name="Picture 6">
+            <a:extLst>
+              <a:ext uri="{FF2B5EF4-FFF2-40B4-BE49-F238E27FC236}">
+                <a16:creationId xmlns:a16="http://schemas.microsoft.com/office/drawing/2014/main" id="{79678E0A-A0AC-4797-96C4-115FCD3588F7}"/>
+              </a:ext>
+            </a:extLst>
+          </p:cNvPr>
+          <p:cNvPicPr>
+            <a:picLocks noChangeAspect="1"/>
+          </p:cNvPicPr>
+          <p:nvPr/>
+        </p:nvPicPr>
+        <p:blipFill>
+          <a:blip r:embed="rId3"/>
+          <a:stretch>
+            <a:fillRect/>
+          </a:stretch>
+        </p:blipFill>
+        <p:spPr>
+          <a:xfrm>
+            <a:off x="7160930" y="3521819"/>
+            <a:ext cx="4574708" cy="2999154"/>
+          </a:xfrm>
+          <a:prstGeom prst="rect">
+            <a:avLst/>
+          </a:prstGeom>
+        </p:spPr>
+      </p:pic>
     </p:spTree>
     <p:extLst>
       <p:ext uri="{BB962C8B-B14F-4D97-AF65-F5344CB8AC3E}">
-        <p14:creationId xmlns:p14="http://schemas.microsoft.com/office/powerpoint/2010/main" val="2656113312"/>
+        <p14:creationId xmlns:p14="http://schemas.microsoft.com/office/powerpoint/2010/main" val="1529209749"/>
       </p:ext>
     </p:extLst>
   </p:cSld>
@@ -5899,22 +6488,143 @@
         </p:nvSpPr>
         <p:spPr>
           <a:xfrm>
-            <a:off x="684212" y="2429539"/>
-            <a:ext cx="8534400" cy="3615267"/>
+            <a:off x="684212" y="1860699"/>
+            <a:ext cx="4089807" cy="4412510"/>
           </a:xfrm>
         </p:spPr>
         <p:txBody>
           <a:bodyPr/>
           <a:lstStyle/>
           <a:p>
-            <a:endParaRPr lang="en-GB" dirty="0"/>
-          </a:p>
-        </p:txBody>
-      </p:sp>
+            <a:r>
+              <a:rPr lang="en-SG" dirty="0">
+                <a:solidFill>
+                  <a:schemeClr val="tx1"/>
+                </a:solidFill>
+              </a:rPr>
+              <a:t>Using classical architecture (above plots), a decent score of ~0.78 accuracy was achieved, with slight overfitting</a:t>
+            </a:r>
+          </a:p>
+          <a:p>
+            <a:r>
+              <a:rPr lang="en-SG" dirty="0">
+                <a:solidFill>
+                  <a:schemeClr val="tx1">
+                    <a:lumMod val="95000"/>
+                  </a:schemeClr>
+                </a:solidFill>
+              </a:rPr>
+              <a:t>After this, I decided to change the architecture to a block-wise one (inspired by VGG blocks)</a:t>
+            </a:r>
+          </a:p>
+          <a:p>
+            <a:r>
+              <a:rPr lang="en-GB" dirty="0">
+                <a:solidFill>
+                  <a:schemeClr val="tx1">
+                    <a:lumMod val="95000"/>
+                  </a:schemeClr>
+                </a:solidFill>
+              </a:rPr>
+              <a:t>The convolutional blocks implemented kernel regularization and specified kernel initializer</a:t>
+            </a:r>
+          </a:p>
+        </p:txBody>
+      </p:sp>
+      <p:pic>
+        <p:nvPicPr>
+          <p:cNvPr id="5" name="Picture 4">
+            <a:extLst>
+              <a:ext uri="{FF2B5EF4-FFF2-40B4-BE49-F238E27FC236}">
+                <a16:creationId xmlns:a16="http://schemas.microsoft.com/office/drawing/2014/main" id="{5512089A-EAC8-4E63-BA29-1699F48BE73E}"/>
+              </a:ext>
+            </a:extLst>
+          </p:cNvPr>
+          <p:cNvPicPr>
+            <a:picLocks noChangeAspect="1"/>
+          </p:cNvPicPr>
+          <p:nvPr/>
+        </p:nvPicPr>
+        <p:blipFill>
+          <a:blip r:embed="rId2"/>
+          <a:stretch>
+            <a:fillRect/>
+          </a:stretch>
+        </p:blipFill>
+        <p:spPr>
+          <a:xfrm>
+            <a:off x="5323552" y="1860699"/>
+            <a:ext cx="3041239" cy="1978128"/>
+          </a:xfrm>
+          <a:prstGeom prst="rect">
+            <a:avLst/>
+          </a:prstGeom>
+        </p:spPr>
+      </p:pic>
+      <p:pic>
+        <p:nvPicPr>
+          <p:cNvPr id="7" name="Picture 6">
+            <a:extLst>
+              <a:ext uri="{FF2B5EF4-FFF2-40B4-BE49-F238E27FC236}">
+                <a16:creationId xmlns:a16="http://schemas.microsoft.com/office/drawing/2014/main" id="{487598C4-595A-4554-BAE8-FF1850AA23F9}"/>
+              </a:ext>
+            </a:extLst>
+          </p:cNvPr>
+          <p:cNvPicPr>
+            <a:picLocks noChangeAspect="1"/>
+          </p:cNvPicPr>
+          <p:nvPr/>
+        </p:nvPicPr>
+        <p:blipFill>
+          <a:blip r:embed="rId3"/>
+          <a:stretch>
+            <a:fillRect/>
+          </a:stretch>
+        </p:blipFill>
+        <p:spPr>
+          <a:xfrm>
+            <a:off x="8914324" y="1853066"/>
+            <a:ext cx="2973388" cy="1985761"/>
+          </a:xfrm>
+          <a:prstGeom prst="rect">
+            <a:avLst/>
+          </a:prstGeom>
+        </p:spPr>
+      </p:pic>
+      <p:pic>
+        <p:nvPicPr>
+          <p:cNvPr id="9" name="Picture 8">
+            <a:extLst>
+              <a:ext uri="{FF2B5EF4-FFF2-40B4-BE49-F238E27FC236}">
+                <a16:creationId xmlns:a16="http://schemas.microsoft.com/office/drawing/2014/main" id="{46F46E05-837F-4E1C-B636-1D6956249703}"/>
+              </a:ext>
+            </a:extLst>
+          </p:cNvPr>
+          <p:cNvPicPr>
+            <a:picLocks noChangeAspect="1"/>
+          </p:cNvPicPr>
+          <p:nvPr/>
+        </p:nvPicPr>
+        <p:blipFill>
+          <a:blip r:embed="rId4"/>
+          <a:stretch>
+            <a:fillRect/>
+          </a:stretch>
+        </p:blipFill>
+        <p:spPr>
+          <a:xfrm>
+            <a:off x="5323551" y="4127462"/>
+            <a:ext cx="6564161" cy="2379663"/>
+          </a:xfrm>
+          <a:prstGeom prst="rect">
+            <a:avLst/>
+          </a:prstGeom>
+        </p:spPr>
+      </p:pic>
     </p:spTree>
     <p:extLst>
       <p:ext uri="{BB962C8B-B14F-4D97-AF65-F5344CB8AC3E}">
-        <p14:creationId xmlns:p14="http://schemas.microsoft.com/office/powerpoint/2010/main" val="558249112"/>
+        <p14:creationId xmlns:p14="http://schemas.microsoft.com/office/powerpoint/2010/main" val="2656113312"/>
       </p:ext>
     </p:extLst>
   </p:cSld>
@@ -5969,7 +6679,7 @@
           <a:p>
             <a:r>
               <a:rPr lang="en-SG" dirty="0"/>
-              <a:t>Model – Training the Model</a:t>
+              <a:t>Model – Hyper-Parameter Tuning</a:t>
             </a:r>
             <a:endParaRPr lang="en-GB" dirty="0"/>
           </a:p>
@@ -5993,14 +6703,177 @@
         </p:nvSpPr>
         <p:spPr>
           <a:xfrm>
-            <a:off x="684212" y="2429539"/>
-            <a:ext cx="8534400" cy="3615267"/>
-          </a:xfrm>
-        </p:spPr>
-        <p:txBody>
-          <a:bodyPr/>
-          <a:lstStyle/>
-          <a:p>
+            <a:off x="684212" y="1795720"/>
+            <a:ext cx="5411788" cy="4700773"/>
+          </a:xfrm>
+        </p:spPr>
+        <p:txBody>
+          <a:bodyPr>
+            <a:normAutofit/>
+          </a:bodyPr>
+          <a:lstStyle/>
+          <a:p>
+            <a:r>
+              <a:rPr lang="en-SG" dirty="0">
+                <a:solidFill>
+                  <a:schemeClr val="tx1">
+                    <a:lumMod val="95000"/>
+                  </a:schemeClr>
+                </a:solidFill>
+              </a:rPr>
+              <a:t>The use of image augmentation was attempted</a:t>
+            </a:r>
+          </a:p>
+          <a:p>
+            <a:r>
+              <a:rPr lang="en-SG" dirty="0">
+                <a:solidFill>
+                  <a:schemeClr val="tx1">
+                    <a:lumMod val="95000"/>
+                  </a:schemeClr>
+                </a:solidFill>
+              </a:rPr>
+              <a:t>It achieved roughly the same accuracy as the model without it</a:t>
+            </a:r>
+          </a:p>
+          <a:p>
+            <a:r>
+              <a:rPr lang="en-SG" dirty="0">
+                <a:solidFill>
+                  <a:schemeClr val="tx1">
+                    <a:lumMod val="95000"/>
+                  </a:schemeClr>
+                </a:solidFill>
+              </a:rPr>
+              <a:t>Although the learning curve was smooth, it took too long to converge, even with a relatively high learning rate</a:t>
+            </a:r>
+          </a:p>
+          <a:p>
+            <a:r>
+              <a:rPr lang="en-SG" dirty="0">
+                <a:solidFill>
+                  <a:schemeClr val="tx1">
+                    <a:lumMod val="95000"/>
+                  </a:schemeClr>
+                </a:solidFill>
+              </a:rPr>
+              <a:t>The grayscale version performed similar to the coloured one, but with more overfitting</a:t>
+            </a:r>
+          </a:p>
+          <a:p>
+            <a:r>
+              <a:rPr lang="en-SG" dirty="0">
+                <a:solidFill>
+                  <a:schemeClr val="tx1">
+                    <a:lumMod val="95000"/>
+                  </a:schemeClr>
+                </a:solidFill>
+              </a:rPr>
+              <a:t>Therefore, the final model used coloured data with no image augmentation</a:t>
+            </a:r>
+            <a:endParaRPr lang="en-GB" dirty="0">
+              <a:solidFill>
+                <a:schemeClr val="tx1">
+                  <a:lumMod val="95000"/>
+                </a:schemeClr>
+              </a:solidFill>
+            </a:endParaRPr>
+          </a:p>
+        </p:txBody>
+      </p:sp>
+      <p:pic>
+        <p:nvPicPr>
+          <p:cNvPr id="5" name="Picture 4">
+            <a:extLst>
+              <a:ext uri="{FF2B5EF4-FFF2-40B4-BE49-F238E27FC236}">
+                <a16:creationId xmlns:a16="http://schemas.microsoft.com/office/drawing/2014/main" id="{6B6AB18D-CDDA-48FE-86D9-BCA8C3F369B3}"/>
+              </a:ext>
+            </a:extLst>
+          </p:cNvPr>
+          <p:cNvPicPr>
+            <a:picLocks noChangeAspect="1"/>
+          </p:cNvPicPr>
+          <p:nvPr/>
+        </p:nvPicPr>
+        <p:blipFill>
+          <a:blip r:embed="rId2"/>
+          <a:stretch>
+            <a:fillRect/>
+          </a:stretch>
+        </p:blipFill>
+        <p:spPr>
+          <a:xfrm>
+            <a:off x="6470033" y="1795720"/>
+            <a:ext cx="2929149" cy="2384473"/>
+          </a:xfrm>
+          <a:prstGeom prst="rect">
+            <a:avLst/>
+          </a:prstGeom>
+        </p:spPr>
+      </p:pic>
+      <p:pic>
+        <p:nvPicPr>
+          <p:cNvPr id="7" name="Picture 6">
+            <a:extLst>
+              <a:ext uri="{FF2B5EF4-FFF2-40B4-BE49-F238E27FC236}">
+                <a16:creationId xmlns:a16="http://schemas.microsoft.com/office/drawing/2014/main" id="{1DE15BC0-3349-4395-9A6B-D204795B0D8D}"/>
+              </a:ext>
+            </a:extLst>
+          </p:cNvPr>
+          <p:cNvPicPr>
+            <a:picLocks noChangeAspect="1"/>
+          </p:cNvPicPr>
+          <p:nvPr/>
+        </p:nvPicPr>
+        <p:blipFill>
+          <a:blip r:embed="rId3"/>
+          <a:stretch>
+            <a:fillRect/>
+          </a:stretch>
+        </p:blipFill>
+        <p:spPr>
+          <a:xfrm>
+            <a:off x="8575461" y="3663395"/>
+            <a:ext cx="3395515" cy="2269571"/>
+          </a:xfrm>
+          <a:prstGeom prst="rect">
+            <a:avLst/>
+          </a:prstGeom>
+        </p:spPr>
+      </p:pic>
+      <p:sp>
+        <p:nvSpPr>
+          <p:cNvPr id="8" name="TextBox 7">
+            <a:extLst>
+              <a:ext uri="{FF2B5EF4-FFF2-40B4-BE49-F238E27FC236}">
+                <a16:creationId xmlns:a16="http://schemas.microsoft.com/office/drawing/2014/main" id="{65933EB5-9E4A-40A2-BC14-4A533C5AE071}"/>
+              </a:ext>
+            </a:extLst>
+          </p:cNvPr>
+          <p:cNvSpPr txBox="1"/>
+          <p:nvPr/>
+        </p:nvSpPr>
+        <p:spPr>
+          <a:xfrm>
+            <a:off x="8575461" y="6031076"/>
+            <a:ext cx="3395515" cy="646331"/>
+          </a:xfrm>
+          <a:prstGeom prst="rect">
+            <a:avLst/>
+          </a:prstGeom>
+          <a:noFill/>
+        </p:spPr>
+        <p:txBody>
+          <a:bodyPr wrap="square" rtlCol="0">
+            <a:spAutoFit/>
+          </a:bodyPr>
+          <a:lstStyle/>
+          <a:p>
+            <a:pPr algn="r"/>
+            <a:r>
+              <a:rPr lang="en-SG" dirty="0"/>
+              <a:t>Learning Curve with Augmentation</a:t>
+            </a:r>
             <a:endParaRPr lang="en-GB" dirty="0"/>
           </a:p>
         </p:txBody>
@@ -6008,7 +6881,7 @@
     </p:spTree>
     <p:extLst>
       <p:ext uri="{BB962C8B-B14F-4D97-AF65-F5344CB8AC3E}">
-        <p14:creationId xmlns:p14="http://schemas.microsoft.com/office/powerpoint/2010/main" val="3635533557"/>
+        <p14:creationId xmlns:p14="http://schemas.microsoft.com/office/powerpoint/2010/main" val="558249112"/>
       </p:ext>
     </p:extLst>
   </p:cSld>
@@ -6054,7 +6927,7 @@
         <p:spPr>
           <a:xfrm>
             <a:off x="684212" y="457592"/>
-            <a:ext cx="8534400" cy="1507067"/>
+            <a:ext cx="5769751" cy="1507067"/>
           </a:xfrm>
         </p:spPr>
         <p:txBody>
@@ -6063,7 +6936,7 @@
           <a:p>
             <a:r>
               <a:rPr lang="en-SG" dirty="0"/>
-              <a:t>Model Evaluation</a:t>
+              <a:t>Model – Final Model</a:t>
             </a:r>
             <a:endParaRPr lang="en-GB" dirty="0"/>
           </a:p>
@@ -6087,18 +6960,395 @@
         </p:nvSpPr>
         <p:spPr>
           <a:xfrm>
-            <a:off x="684212" y="2429539"/>
-            <a:ext cx="8534400" cy="3615267"/>
+            <a:off x="684211" y="1964659"/>
+            <a:ext cx="6173789" cy="4542467"/>
+          </a:xfrm>
+        </p:spPr>
+        <p:txBody>
+          <a:bodyPr>
+            <a:normAutofit/>
+          </a:bodyPr>
+          <a:lstStyle/>
+          <a:p>
+            <a:r>
+              <a:rPr lang="en-SG" dirty="0">
+                <a:solidFill>
+                  <a:schemeClr val="tx1"/>
+                </a:solidFill>
+              </a:rPr>
+              <a:t>The final model made use of fewer but deeper convolutional blocks than the ones during hyper-parameter tuning</a:t>
+            </a:r>
+          </a:p>
+          <a:p>
+            <a:r>
+              <a:rPr lang="en-SG" dirty="0">
+                <a:solidFill>
+                  <a:schemeClr val="tx1"/>
+                </a:solidFill>
+              </a:rPr>
+              <a:t>A decaying learning rate was used with an SGD optimizer</a:t>
+            </a:r>
+          </a:p>
+          <a:p>
+            <a:r>
+              <a:rPr lang="en-SG" dirty="0">
+                <a:solidFill>
+                  <a:schemeClr val="tx1"/>
+                </a:solidFill>
+              </a:rPr>
+              <a:t>From its learning curves, I would say it is not overfitted despite the discrepancy between its performance on the training and testing data partitions</a:t>
+            </a:r>
+          </a:p>
+          <a:p>
+            <a:r>
+              <a:rPr lang="en-SG" dirty="0">
+                <a:solidFill>
+                  <a:schemeClr val="tx1"/>
+                </a:solidFill>
+              </a:rPr>
+              <a:t>A testing accuracy of ~0.82 is significantly better than that of the baseline models (~0.5)</a:t>
+            </a:r>
+            <a:endParaRPr lang="en-GB" dirty="0">
+              <a:solidFill>
+                <a:schemeClr val="tx1"/>
+              </a:solidFill>
+            </a:endParaRPr>
+          </a:p>
+        </p:txBody>
+      </p:sp>
+      <p:pic>
+        <p:nvPicPr>
+          <p:cNvPr id="5" name="Picture 4">
+            <a:extLst>
+              <a:ext uri="{FF2B5EF4-FFF2-40B4-BE49-F238E27FC236}">
+                <a16:creationId xmlns:a16="http://schemas.microsoft.com/office/drawing/2014/main" id="{820B0CCC-0C8C-42F3-8504-CD1694C4AE29}"/>
+              </a:ext>
+            </a:extLst>
+          </p:cNvPr>
+          <p:cNvPicPr>
+            <a:picLocks noChangeAspect="1"/>
+          </p:cNvPicPr>
+          <p:nvPr/>
+        </p:nvPicPr>
+        <p:blipFill>
+          <a:blip r:embed="rId2"/>
+          <a:stretch>
+            <a:fillRect/>
+          </a:stretch>
+        </p:blipFill>
+        <p:spPr>
+          <a:xfrm>
+            <a:off x="7517830" y="360665"/>
+            <a:ext cx="4114190" cy="2648377"/>
+          </a:xfrm>
+          <a:prstGeom prst="rect">
+            <a:avLst/>
+          </a:prstGeom>
+        </p:spPr>
+      </p:pic>
+      <p:pic>
+        <p:nvPicPr>
+          <p:cNvPr id="7" name="Picture 6">
+            <a:extLst>
+              <a:ext uri="{FF2B5EF4-FFF2-40B4-BE49-F238E27FC236}">
+                <a16:creationId xmlns:a16="http://schemas.microsoft.com/office/drawing/2014/main" id="{F11BB5B1-E269-4699-93D9-33A2B21478AD}"/>
+              </a:ext>
+            </a:extLst>
+          </p:cNvPr>
+          <p:cNvPicPr>
+            <a:picLocks noChangeAspect="1"/>
+          </p:cNvPicPr>
+          <p:nvPr/>
+        </p:nvPicPr>
+        <p:blipFill>
+          <a:blip r:embed="rId3"/>
+          <a:stretch>
+            <a:fillRect/>
+          </a:stretch>
+        </p:blipFill>
+        <p:spPr>
+          <a:xfrm>
+            <a:off x="7446774" y="3429000"/>
+            <a:ext cx="4077269" cy="1038370"/>
+          </a:xfrm>
+          <a:prstGeom prst="rect">
+            <a:avLst/>
+          </a:prstGeom>
+        </p:spPr>
+      </p:pic>
+    </p:spTree>
+    <p:extLst>
+      <p:ext uri="{BB962C8B-B14F-4D97-AF65-F5344CB8AC3E}">
+        <p14:creationId xmlns:p14="http://schemas.microsoft.com/office/powerpoint/2010/main" val="3635533557"/>
+      </p:ext>
+    </p:extLst>
+  </p:cSld>
+  <p:clrMapOvr>
+    <a:masterClrMapping/>
+  </p:clrMapOvr>
+</p:sld>
+</file>
+
+<file path=ppt/slides/slide9.xml><?xml version="1.0" encoding="utf-8"?>
+<p:sld xmlns:a="http://schemas.openxmlformats.org/drawingml/2006/main" xmlns:r="http://schemas.openxmlformats.org/officeDocument/2006/relationships" xmlns:p="http://schemas.openxmlformats.org/presentationml/2006/main">
+  <p:cSld>
+    <p:spTree>
+      <p:nvGrpSpPr>
+        <p:cNvPr id="1" name=""/>
+        <p:cNvGrpSpPr/>
+        <p:nvPr/>
+      </p:nvGrpSpPr>
+      <p:grpSpPr>
+        <a:xfrm>
+          <a:off x="0" y="0"/>
+          <a:ext cx="0" cy="0"/>
+          <a:chOff x="0" y="0"/>
+          <a:chExt cx="0" cy="0"/>
+        </a:xfrm>
+      </p:grpSpPr>
+      <p:sp>
+        <p:nvSpPr>
+          <p:cNvPr id="2" name="Title 1">
+            <a:extLst>
+              <a:ext uri="{FF2B5EF4-FFF2-40B4-BE49-F238E27FC236}">
+                <a16:creationId xmlns:a16="http://schemas.microsoft.com/office/drawing/2014/main" id="{95A69888-4E55-4E5D-853D-CF40E97E0DA7}"/>
+              </a:ext>
+            </a:extLst>
+          </p:cNvPr>
+          <p:cNvSpPr>
+            <a:spLocks noGrp="1"/>
+          </p:cNvSpPr>
+          <p:nvPr>
+            <p:ph type="title"/>
+          </p:nvPr>
+        </p:nvSpPr>
+        <p:spPr>
+          <a:xfrm>
+            <a:off x="684212" y="457592"/>
+            <a:ext cx="6078095" cy="1507067"/>
           </a:xfrm>
         </p:spPr>
         <p:txBody>
           <a:bodyPr/>
           <a:lstStyle/>
           <a:p>
+            <a:r>
+              <a:rPr lang="en-SG" dirty="0"/>
+              <a:t>Model – Evaluation</a:t>
+            </a:r>
             <a:endParaRPr lang="en-GB" dirty="0"/>
           </a:p>
         </p:txBody>
       </p:sp>
+      <p:sp>
+        <p:nvSpPr>
+          <p:cNvPr id="3" name="Content Placeholder 2">
+            <a:extLst>
+              <a:ext uri="{FF2B5EF4-FFF2-40B4-BE49-F238E27FC236}">
+                <a16:creationId xmlns:a16="http://schemas.microsoft.com/office/drawing/2014/main" id="{5CB9C299-4533-43E8-A29A-DDFD04E3B531}"/>
+              </a:ext>
+            </a:extLst>
+          </p:cNvPr>
+          <p:cNvSpPr>
+            <a:spLocks noGrp="1"/>
+          </p:cNvSpPr>
+          <p:nvPr>
+            <p:ph idx="1"/>
+          </p:nvPr>
+        </p:nvSpPr>
+        <p:spPr>
+          <a:xfrm>
+            <a:off x="489098" y="1679944"/>
+            <a:ext cx="7715293" cy="4933507"/>
+          </a:xfrm>
+        </p:spPr>
+        <p:txBody>
+          <a:bodyPr>
+            <a:normAutofit/>
+          </a:bodyPr>
+          <a:lstStyle/>
+          <a:p>
+            <a:r>
+              <a:rPr lang="en-SG" dirty="0">
+                <a:solidFill>
+                  <a:schemeClr val="tx1"/>
+                </a:solidFill>
+              </a:rPr>
+              <a:t>From the confusion matrix, the model has trouble classifying cats and dogs correctly, often mistaking them for each other</a:t>
+            </a:r>
+          </a:p>
+          <a:p>
+            <a:r>
+              <a:rPr lang="en-SG" dirty="0">
+                <a:solidFill>
+                  <a:schemeClr val="tx1"/>
+                </a:solidFill>
+              </a:rPr>
+              <a:t>Given the resolution of the images, this is a reasonable shortcoming</a:t>
+            </a:r>
+          </a:p>
+          <a:p>
+            <a:r>
+              <a:rPr lang="en-SG" dirty="0">
+                <a:solidFill>
+                  <a:schemeClr val="tx1"/>
+                </a:solidFill>
+              </a:rPr>
+              <a:t>Of the most confident predictions, the model always gets the general type correct (vehicle/animal) but mistakes their specific category</a:t>
+            </a:r>
+          </a:p>
+          <a:p>
+            <a:r>
+              <a:rPr lang="en-SG" dirty="0">
+                <a:solidFill>
+                  <a:schemeClr val="tx1"/>
+                </a:solidFill>
+              </a:rPr>
+              <a:t>For the bottom right image, of which the model is unsure, I also cannot deduce what it is</a:t>
+            </a:r>
+          </a:p>
+          <a:p>
+            <a:r>
+              <a:rPr lang="en-SG" dirty="0">
+                <a:solidFill>
+                  <a:schemeClr val="tx1"/>
+                </a:solidFill>
+              </a:rPr>
+              <a:t>The model predicts the ship image (bottom left) to be an animal, and is therefore wrong on all its top choices</a:t>
+            </a:r>
+          </a:p>
+          <a:p>
+            <a:r>
+              <a:rPr lang="en-SG" dirty="0">
+                <a:solidFill>
+                  <a:schemeClr val="tx1"/>
+                </a:solidFill>
+              </a:rPr>
+              <a:t>In general, the model predicts vehicles better than animals</a:t>
+            </a:r>
+          </a:p>
+        </p:txBody>
+      </p:sp>
+      <p:pic>
+        <p:nvPicPr>
+          <p:cNvPr id="5" name="Picture 4">
+            <a:extLst>
+              <a:ext uri="{FF2B5EF4-FFF2-40B4-BE49-F238E27FC236}">
+                <a16:creationId xmlns:a16="http://schemas.microsoft.com/office/drawing/2014/main" id="{C1CBCFB7-5C0A-4A39-9E63-BC0B1C79C401}"/>
+              </a:ext>
+            </a:extLst>
+          </p:cNvPr>
+          <p:cNvPicPr>
+            <a:picLocks noChangeAspect="1"/>
+          </p:cNvPicPr>
+          <p:nvPr/>
+        </p:nvPicPr>
+        <p:blipFill>
+          <a:blip r:embed="rId2"/>
+          <a:stretch>
+            <a:fillRect/>
+          </a:stretch>
+        </p:blipFill>
+        <p:spPr>
+          <a:xfrm>
+            <a:off x="8388579" y="161604"/>
+            <a:ext cx="3537113" cy="3182975"/>
+          </a:xfrm>
+          <a:prstGeom prst="rect">
+            <a:avLst/>
+          </a:prstGeom>
+        </p:spPr>
+      </p:pic>
+      <p:pic>
+        <p:nvPicPr>
+          <p:cNvPr id="7" name="Picture 6">
+            <a:extLst>
+              <a:ext uri="{FF2B5EF4-FFF2-40B4-BE49-F238E27FC236}">
+                <a16:creationId xmlns:a16="http://schemas.microsoft.com/office/drawing/2014/main" id="{06956EC3-47FC-4AB0-8F43-ED41F4FCBA74}"/>
+              </a:ext>
+            </a:extLst>
+          </p:cNvPr>
+          <p:cNvPicPr>
+            <a:picLocks noChangeAspect="1"/>
+          </p:cNvPicPr>
+          <p:nvPr/>
+        </p:nvPicPr>
+        <p:blipFill>
+          <a:blip r:embed="rId3"/>
+          <a:stretch>
+            <a:fillRect/>
+          </a:stretch>
+        </p:blipFill>
+        <p:spPr>
+          <a:xfrm>
+            <a:off x="8388579" y="3429000"/>
+            <a:ext cx="3537112" cy="1432506"/>
+          </a:xfrm>
+          <a:prstGeom prst="rect">
+            <a:avLst/>
+          </a:prstGeom>
+        </p:spPr>
+      </p:pic>
+      <p:pic>
+        <p:nvPicPr>
+          <p:cNvPr id="9" name="Picture 8">
+            <a:extLst>
+              <a:ext uri="{FF2B5EF4-FFF2-40B4-BE49-F238E27FC236}">
+                <a16:creationId xmlns:a16="http://schemas.microsoft.com/office/drawing/2014/main" id="{7FE5FEFB-A483-4BE7-8118-90C788A47EED}"/>
+              </a:ext>
+            </a:extLst>
+          </p:cNvPr>
+          <p:cNvPicPr>
+            <a:picLocks noChangeAspect="1"/>
+          </p:cNvPicPr>
+          <p:nvPr/>
+        </p:nvPicPr>
+        <p:blipFill>
+          <a:blip r:embed="rId4"/>
+          <a:stretch>
+            <a:fillRect/>
+          </a:stretch>
+        </p:blipFill>
+        <p:spPr>
+          <a:xfrm>
+            <a:off x="10157135" y="4945927"/>
+            <a:ext cx="1767643" cy="1858136"/>
+          </a:xfrm>
+          <a:prstGeom prst="rect">
+            <a:avLst/>
+          </a:prstGeom>
+        </p:spPr>
+      </p:pic>
+      <p:pic>
+        <p:nvPicPr>
+          <p:cNvPr id="11" name="Picture 10">
+            <a:extLst>
+              <a:ext uri="{FF2B5EF4-FFF2-40B4-BE49-F238E27FC236}">
+                <a16:creationId xmlns:a16="http://schemas.microsoft.com/office/drawing/2014/main" id="{359BA847-D407-4090-BEAD-96E938589BAA}"/>
+              </a:ext>
+            </a:extLst>
+          </p:cNvPr>
+          <p:cNvPicPr>
+            <a:picLocks noChangeAspect="1"/>
+          </p:cNvPicPr>
+          <p:nvPr/>
+        </p:nvPicPr>
+        <p:blipFill>
+          <a:blip r:embed="rId5"/>
+          <a:stretch>
+            <a:fillRect/>
+          </a:stretch>
+        </p:blipFill>
+        <p:spPr>
+          <a:xfrm>
+            <a:off x="8388579" y="4945926"/>
+            <a:ext cx="1584368" cy="1858137"/>
+          </a:xfrm>
+          <a:prstGeom prst="rect">
+            <a:avLst/>
+          </a:prstGeom>
+        </p:spPr>
+      </p:pic>
     </p:spTree>
     <p:extLst>
       <p:ext uri="{BB962C8B-B14F-4D97-AF65-F5344CB8AC3E}">

--- a/doc/part-b.pptx
+++ b/doc/part-b.pptx
@@ -5530,15 +5530,17 @@
         <p:spPr>
           <a:xfrm>
             <a:off x="684213" y="1964659"/>
-            <a:ext cx="5982402" cy="4542467"/>
-          </a:xfrm>
-        </p:spPr>
-        <p:txBody>
-          <a:bodyPr/>
-          <a:lstStyle/>
-          <a:p>
-            <a:r>
-              <a:rPr lang="en-SG" dirty="0">
+            <a:ext cx="4621434" cy="4542467"/>
+          </a:xfrm>
+        </p:spPr>
+        <p:txBody>
+          <a:bodyPr>
+            <a:normAutofit/>
+          </a:bodyPr>
+          <a:lstStyle/>
+          <a:p>
+            <a:r>
+              <a:rPr lang="en-SG" sz="2400" dirty="0">
                 <a:solidFill>
                   <a:schemeClr val="tx1">
                     <a:lumMod val="95000"/>
@@ -5550,7 +5552,7 @@
           </a:p>
           <a:p>
             <a:r>
-              <a:rPr lang="en-SG" dirty="0">
+              <a:rPr lang="en-SG" sz="2400" dirty="0">
                 <a:solidFill>
                   <a:schemeClr val="tx1">
                     <a:lumMod val="95000"/>
@@ -5562,7 +5564,7 @@
           </a:p>
           <a:p>
             <a:r>
-              <a:rPr lang="en-SG" dirty="0">
+              <a:rPr lang="en-SG" sz="2400" dirty="0">
                 <a:solidFill>
                   <a:schemeClr val="tx1">
                     <a:lumMod val="95000"/>
@@ -5573,7 +5575,7 @@
             </a:r>
           </a:p>
           <a:p>
-            <a:endParaRPr lang="en-GB" dirty="0">
+            <a:endParaRPr lang="en-GB" sz="2400" dirty="0">
               <a:solidFill>
                 <a:schemeClr val="tx1">
                   <a:lumMod val="95000"/>
@@ -5635,7 +5637,7 @@
         </p:blipFill>
         <p:spPr>
           <a:xfrm>
-            <a:off x="8299783" y="1677914"/>
+            <a:off x="9543951" y="1657444"/>
             <a:ext cx="2343477" cy="1038370"/>
           </a:xfrm>
           <a:prstGeom prst="rect">
@@ -5667,6 +5669,36 @@
           <a:xfrm>
             <a:off x="8299784" y="2826294"/>
             <a:ext cx="3587645" cy="3860125"/>
+          </a:xfrm>
+          <a:prstGeom prst="rect">
+            <a:avLst/>
+          </a:prstGeom>
+        </p:spPr>
+      </p:pic>
+      <p:pic>
+        <p:nvPicPr>
+          <p:cNvPr id="8" name="Picture 7">
+            <a:extLst>
+              <a:ext uri="{FF2B5EF4-FFF2-40B4-BE49-F238E27FC236}">
+                <a16:creationId xmlns:a16="http://schemas.microsoft.com/office/drawing/2014/main" id="{A0DFB602-AA78-4B7C-A4D4-E900B2C5318A}"/>
+              </a:ext>
+            </a:extLst>
+          </p:cNvPr>
+          <p:cNvPicPr>
+            <a:picLocks noChangeAspect="1"/>
+          </p:cNvPicPr>
+          <p:nvPr/>
+        </p:nvPicPr>
+        <p:blipFill>
+          <a:blip r:embed="rId5"/>
+          <a:stretch>
+            <a:fillRect/>
+          </a:stretch>
+        </p:blipFill>
+        <p:spPr>
+          <a:xfrm>
+            <a:off x="5629904" y="4142873"/>
+            <a:ext cx="2512901" cy="2543546"/>
           </a:xfrm>
           <a:prstGeom prst="rect">
             <a:avLst/>
@@ -5722,7 +5754,7 @@
         <p:spPr>
           <a:xfrm>
             <a:off x="684212" y="457592"/>
-            <a:ext cx="8534400" cy="1507067"/>
+            <a:ext cx="7112439" cy="1220323"/>
           </a:xfrm>
         </p:spPr>
         <p:txBody>
@@ -5755,60 +5787,28 @@
         </p:nvSpPr>
         <p:spPr>
           <a:xfrm>
-            <a:off x="684213" y="1677915"/>
-            <a:ext cx="4160528" cy="4829212"/>
+            <a:off x="684212" y="1677915"/>
+            <a:ext cx="7013760" cy="4829212"/>
           </a:xfrm>
         </p:spPr>
         <p:txBody>
           <a:bodyPr>
-            <a:normAutofit lnSpcReduction="10000"/>
+            <a:normAutofit/>
           </a:bodyPr>
           <a:lstStyle/>
           <a:p>
             <a:r>
-              <a:rPr lang="en-SG" dirty="0">
+              <a:rPr lang="en-SG" sz="2400" dirty="0">
                 <a:solidFill>
                   <a:schemeClr val="tx1"/>
                 </a:solidFill>
               </a:rPr>
-              <a:t>The data are of 32 by 32 pixel coloured images</a:t>
-            </a:r>
-          </a:p>
-          <a:p>
-            <a:r>
-              <a:rPr lang="en-SG" dirty="0">
-                <a:solidFill>
-                  <a:schemeClr val="tx1"/>
-                </a:solidFill>
-              </a:rPr>
-              <a:t>There are no missing values</a:t>
-            </a:r>
-          </a:p>
-          <a:p>
-            <a:r>
-              <a:rPr lang="en-SG" dirty="0">
-                <a:solidFill>
-                  <a:schemeClr val="tx1"/>
-                </a:solidFill>
-              </a:rPr>
-              <a:t>The class distribution is perfectly balanced</a:t>
-            </a:r>
-          </a:p>
-          <a:p>
-            <a:r>
-              <a:rPr lang="en-SG" dirty="0">
-                <a:solidFill>
-                  <a:schemeClr val="tx1">
-                    <a:lumMod val="95000"/>
-                  </a:schemeClr>
-                </a:solidFill>
-              </a:rPr>
-              <a:t>Unfortunately, the pixel value distribution is clustered at around ~120</a:t>
-            </a:r>
-          </a:p>
-          <a:p>
-            <a:r>
-              <a:rPr lang="en-SG" dirty="0">
+              <a:t>Unfortunately, the pixel value distribution (above) is clustered at around ~120</a:t>
+            </a:r>
+          </a:p>
+          <a:p>
+            <a:r>
+              <a:rPr lang="en-SG" sz="2400" dirty="0">
                 <a:solidFill>
                   <a:schemeClr val="tx1">
                     <a:lumMod val="95000"/>
@@ -5820,138 +5820,42 @@
           </a:p>
           <a:p>
             <a:r>
-              <a:rPr lang="en-SG" dirty="0">
+              <a:rPr lang="en-SG" sz="2400" dirty="0">
                 <a:solidFill>
                   <a:schemeClr val="tx1">
                     <a:lumMod val="95000"/>
                   </a:schemeClr>
                 </a:solidFill>
               </a:rPr>
-              <a:t>The pixel sum distribution (not shown) is normal, which means that most of the images are not bogus</a:t>
-            </a:r>
-          </a:p>
-        </p:txBody>
-      </p:sp>
-      <p:pic>
-        <p:nvPicPr>
-          <p:cNvPr id="5" name="Picture 4">
-            <a:extLst>
-              <a:ext uri="{FF2B5EF4-FFF2-40B4-BE49-F238E27FC236}">
-                <a16:creationId xmlns:a16="http://schemas.microsoft.com/office/drawing/2014/main" id="{BCAEE7A2-5007-49C4-A3A4-32BA83F1A68C}"/>
-              </a:ext>
-            </a:extLst>
-          </p:cNvPr>
-          <p:cNvPicPr>
-            <a:picLocks noChangeAspect="1"/>
-          </p:cNvPicPr>
-          <p:nvPr/>
-        </p:nvPicPr>
-        <p:blipFill>
-          <a:blip r:embed="rId2"/>
-          <a:stretch>
-            <a:fillRect/>
-          </a:stretch>
-        </p:blipFill>
-        <p:spPr>
-          <a:xfrm>
-            <a:off x="8299783" y="513597"/>
-            <a:ext cx="3587645" cy="1013367"/>
-          </a:xfrm>
-          <a:prstGeom prst="rect">
-            <a:avLst/>
-          </a:prstGeom>
-        </p:spPr>
-      </p:pic>
-      <p:pic>
-        <p:nvPicPr>
-          <p:cNvPr id="7" name="Picture 6">
-            <a:extLst>
-              <a:ext uri="{FF2B5EF4-FFF2-40B4-BE49-F238E27FC236}">
-                <a16:creationId xmlns:a16="http://schemas.microsoft.com/office/drawing/2014/main" id="{A4561E97-49AC-4E87-8B60-0998BEC218A5}"/>
-              </a:ext>
-            </a:extLst>
-          </p:cNvPr>
-          <p:cNvPicPr>
-            <a:picLocks noChangeAspect="1"/>
-          </p:cNvPicPr>
-          <p:nvPr/>
-        </p:nvPicPr>
-        <p:blipFill>
-          <a:blip r:embed="rId3"/>
-          <a:stretch>
-            <a:fillRect/>
-          </a:stretch>
-        </p:blipFill>
-        <p:spPr>
-          <a:xfrm>
-            <a:off x="8299783" y="1677914"/>
-            <a:ext cx="2343477" cy="1038370"/>
-          </a:xfrm>
-          <a:prstGeom prst="rect">
-            <a:avLst/>
-          </a:prstGeom>
-        </p:spPr>
-      </p:pic>
-      <p:pic>
-        <p:nvPicPr>
-          <p:cNvPr id="9" name="Picture 8">
-            <a:extLst>
-              <a:ext uri="{FF2B5EF4-FFF2-40B4-BE49-F238E27FC236}">
-                <a16:creationId xmlns:a16="http://schemas.microsoft.com/office/drawing/2014/main" id="{BD8D29C8-C06E-4C06-9D1C-0328AA6CD5E3}"/>
-              </a:ext>
-            </a:extLst>
-          </p:cNvPr>
-          <p:cNvPicPr>
-            <a:picLocks noChangeAspect="1"/>
-          </p:cNvPicPr>
-          <p:nvPr/>
-        </p:nvPicPr>
-        <p:blipFill>
-          <a:blip r:embed="rId4"/>
-          <a:stretch>
-            <a:fillRect/>
-          </a:stretch>
-        </p:blipFill>
-        <p:spPr>
-          <a:xfrm>
-            <a:off x="8299784" y="2826294"/>
-            <a:ext cx="3587645" cy="3860125"/>
-          </a:xfrm>
-          <a:prstGeom prst="rect">
-            <a:avLst/>
-          </a:prstGeom>
-        </p:spPr>
-      </p:pic>
-      <p:pic>
-        <p:nvPicPr>
-          <p:cNvPr id="6" name="Picture 5">
-            <a:extLst>
-              <a:ext uri="{FF2B5EF4-FFF2-40B4-BE49-F238E27FC236}">
-                <a16:creationId xmlns:a16="http://schemas.microsoft.com/office/drawing/2014/main" id="{F7CFD12A-5E70-4F20-ABBA-314D6EEDD2F6}"/>
-              </a:ext>
-            </a:extLst>
-          </p:cNvPr>
-          <p:cNvPicPr>
-            <a:picLocks noChangeAspect="1"/>
-          </p:cNvPicPr>
-          <p:nvPr/>
-        </p:nvPicPr>
-        <p:blipFill>
-          <a:blip r:embed="rId5"/>
-          <a:stretch>
-            <a:fillRect/>
-          </a:stretch>
-        </p:blipFill>
-        <p:spPr>
-          <a:xfrm>
-            <a:off x="5630967" y="1677914"/>
-            <a:ext cx="2343477" cy="2372056"/>
-          </a:xfrm>
-          <a:prstGeom prst="rect">
-            <a:avLst/>
-          </a:prstGeom>
-        </p:spPr>
-      </p:pic>
+              <a:t>(128 is midway between 0 and 255)</a:t>
+            </a:r>
+          </a:p>
+          <a:p>
+            <a:r>
+              <a:rPr lang="en-SG" sz="2400" dirty="0">
+                <a:solidFill>
+                  <a:schemeClr val="tx1">
+                    <a:lumMod val="95000"/>
+                  </a:schemeClr>
+                </a:solidFill>
+              </a:rPr>
+              <a:t>The pixel sum distribution (below) follows a normal distribution, which means that most images (if not all) are sufficiently coloured</a:t>
+            </a:r>
+          </a:p>
+          <a:p>
+            <a:r>
+              <a:rPr lang="en-SG" sz="2400" dirty="0">
+                <a:solidFill>
+                  <a:schemeClr val="tx1">
+                    <a:lumMod val="95000"/>
+                  </a:schemeClr>
+                </a:solidFill>
+              </a:rPr>
+              <a:t>There are no fully black or fully white images</a:t>
+            </a:r>
+          </a:p>
+        </p:txBody>
+      </p:sp>
       <p:pic>
         <p:nvPicPr>
           <p:cNvPr id="10" name="Picture 9">
@@ -5967,15 +5871,45 @@
           <p:nvPr/>
         </p:nvPicPr>
         <p:blipFill>
-          <a:blip r:embed="rId6"/>
+          <a:blip r:embed="rId2"/>
           <a:stretch>
             <a:fillRect/>
           </a:stretch>
         </p:blipFill>
         <p:spPr>
           <a:xfrm>
-            <a:off x="5007410" y="4409793"/>
-            <a:ext cx="3129704" cy="2160233"/>
+            <a:off x="8140164" y="643662"/>
+            <a:ext cx="3665644" cy="2530157"/>
+          </a:xfrm>
+          <a:prstGeom prst="rect">
+            <a:avLst/>
+          </a:prstGeom>
+        </p:spPr>
+      </p:pic>
+      <p:pic>
+        <p:nvPicPr>
+          <p:cNvPr id="8" name="Picture 7">
+            <a:extLst>
+              <a:ext uri="{FF2B5EF4-FFF2-40B4-BE49-F238E27FC236}">
+                <a16:creationId xmlns:a16="http://schemas.microsoft.com/office/drawing/2014/main" id="{E5543DE8-0AC1-4FCB-8B69-990A4F96DDF5}"/>
+              </a:ext>
+            </a:extLst>
+          </p:cNvPr>
+          <p:cNvPicPr>
+            <a:picLocks noChangeAspect="1"/>
+          </p:cNvPicPr>
+          <p:nvPr/>
+        </p:nvPicPr>
+        <p:blipFill>
+          <a:blip r:embed="rId3"/>
+          <a:stretch>
+            <a:fillRect/>
+          </a:stretch>
+        </p:blipFill>
+        <p:spPr>
+          <a:xfrm>
+            <a:off x="8140164" y="3684181"/>
+            <a:ext cx="3673006" cy="2530157"/>
           </a:xfrm>
           <a:prstGeom prst="rect">
             <a:avLst/>
@@ -6065,7 +5999,7 @@
         <p:spPr>
           <a:xfrm>
             <a:off x="684213" y="1796902"/>
-            <a:ext cx="5759118" cy="4763385"/>
+            <a:ext cx="6609722" cy="4763385"/>
           </a:xfrm>
         </p:spPr>
         <p:txBody>
@@ -6140,36 +6074,6 @@
           </a:p>
         </p:txBody>
       </p:sp>
-      <p:pic>
-        <p:nvPicPr>
-          <p:cNvPr id="5" name="Picture 4">
-            <a:extLst>
-              <a:ext uri="{FF2B5EF4-FFF2-40B4-BE49-F238E27FC236}">
-                <a16:creationId xmlns:a16="http://schemas.microsoft.com/office/drawing/2014/main" id="{727EFFA6-0F58-40B7-A34D-2C65A76BA301}"/>
-              </a:ext>
-            </a:extLst>
-          </p:cNvPr>
-          <p:cNvPicPr>
-            <a:picLocks noChangeAspect="1"/>
-          </p:cNvPicPr>
-          <p:nvPr/>
-        </p:nvPicPr>
-        <p:blipFill>
-          <a:blip r:embed="rId2"/>
-          <a:stretch>
-            <a:fillRect/>
-          </a:stretch>
-        </p:blipFill>
-        <p:spPr>
-          <a:xfrm>
-            <a:off x="6618763" y="399113"/>
-            <a:ext cx="5199698" cy="2269991"/>
-          </a:xfrm>
-          <a:prstGeom prst="rect">
-            <a:avLst/>
-          </a:prstGeom>
-        </p:spPr>
-      </p:pic>
       <p:pic>
         <p:nvPicPr>
           <p:cNvPr id="7" name="Picture 6">
@@ -6185,6 +6089,36 @@
           <p:nvPr/>
         </p:nvPicPr>
         <p:blipFill>
+          <a:blip r:embed="rId2"/>
+          <a:stretch>
+            <a:fillRect/>
+          </a:stretch>
+        </p:blipFill>
+        <p:spPr>
+          <a:xfrm>
+            <a:off x="8351994" y="3429000"/>
+            <a:ext cx="3155793" cy="3182256"/>
+          </a:xfrm>
+          <a:prstGeom prst="rect">
+            <a:avLst/>
+          </a:prstGeom>
+        </p:spPr>
+      </p:pic>
+      <p:pic>
+        <p:nvPicPr>
+          <p:cNvPr id="6" name="Picture 5">
+            <a:extLst>
+              <a:ext uri="{FF2B5EF4-FFF2-40B4-BE49-F238E27FC236}">
+                <a16:creationId xmlns:a16="http://schemas.microsoft.com/office/drawing/2014/main" id="{CC883959-D9F5-4B4B-8FBC-5709311A0030}"/>
+              </a:ext>
+            </a:extLst>
+          </p:cNvPr>
+          <p:cNvPicPr>
+            <a:picLocks noChangeAspect="1"/>
+          </p:cNvPicPr>
+          <p:nvPr/>
+        </p:nvPicPr>
+        <p:blipFill>
           <a:blip r:embed="rId3"/>
           <a:stretch>
             <a:fillRect/>
@@ -6192,8 +6126,8 @@
         </p:blipFill>
         <p:spPr>
           <a:xfrm>
-            <a:off x="7352411" y="2893911"/>
-            <a:ext cx="3535330" cy="3564976"/>
+            <a:off x="7696255" y="324264"/>
+            <a:ext cx="3811532" cy="2945275"/>
           </a:xfrm>
           <a:prstGeom prst="rect">
             <a:avLst/>
@@ -6282,16 +6216,18 @@
         </p:nvSpPr>
         <p:spPr>
           <a:xfrm>
-            <a:off x="684212" y="1765005"/>
-            <a:ext cx="5950504" cy="4486939"/>
-          </a:xfrm>
-        </p:spPr>
-        <p:txBody>
-          <a:bodyPr/>
-          <a:lstStyle/>
-          <a:p>
-            <a:r>
-              <a:rPr lang="en-SG" dirty="0">
+            <a:off x="684212" y="2147777"/>
+            <a:ext cx="5950504" cy="4104167"/>
+          </a:xfrm>
+        </p:spPr>
+        <p:txBody>
+          <a:bodyPr>
+            <a:normAutofit/>
+          </a:bodyPr>
+          <a:lstStyle/>
+          <a:p>
+            <a:r>
+              <a:rPr lang="en-SG" sz="2400" dirty="0">
                 <a:solidFill>
                   <a:schemeClr val="tx1">
                     <a:lumMod val="95000"/>
@@ -6303,7 +6239,7 @@
           </a:p>
           <a:p>
             <a:r>
-              <a:rPr lang="en-SG" dirty="0">
+              <a:rPr lang="en-SG" sz="2400" dirty="0">
                 <a:solidFill>
                   <a:schemeClr val="tx1">
                     <a:lumMod val="95000"/>
@@ -6315,7 +6251,7 @@
           </a:p>
           <a:p>
             <a:r>
-              <a:rPr lang="en-SG" dirty="0">
+              <a:rPr lang="en-SG" sz="2400" dirty="0">
                 <a:solidFill>
                   <a:schemeClr val="tx1">
                     <a:lumMod val="95000"/>
@@ -6327,7 +6263,7 @@
           </a:p>
           <a:p>
             <a:r>
-              <a:rPr lang="en-SG" dirty="0">
+              <a:rPr lang="en-SG" sz="2400" dirty="0">
                 <a:solidFill>
                   <a:schemeClr val="tx1">
                     <a:lumMod val="95000"/>
@@ -6336,7 +6272,7 @@
               </a:rPr>
               <a:t>All 3 baselines are quite bad</a:t>
             </a:r>
-            <a:endParaRPr lang="en-GB" dirty="0">
+            <a:endParaRPr lang="en-GB" sz="2400" dirty="0">
               <a:solidFill>
                 <a:schemeClr val="tx1">
                   <a:lumMod val="95000"/>
@@ -6704,7 +6640,7 @@
         <p:spPr>
           <a:xfrm>
             <a:off x="684212" y="1795720"/>
-            <a:ext cx="5411788" cy="4700773"/>
+            <a:ext cx="4791555" cy="4700773"/>
           </a:xfrm>
         </p:spPr>
         <p:txBody>
@@ -6714,7 +6650,7 @@
           <a:lstStyle/>
           <a:p>
             <a:r>
-              <a:rPr lang="en-SG" dirty="0">
+              <a:rPr lang="en-SG" sz="1800" dirty="0">
                 <a:solidFill>
                   <a:schemeClr val="tx1">
                     <a:lumMod val="95000"/>
@@ -6726,7 +6662,7 @@
           </a:p>
           <a:p>
             <a:r>
-              <a:rPr lang="en-SG" dirty="0">
+              <a:rPr lang="en-SG" sz="1800" dirty="0">
                 <a:solidFill>
                   <a:schemeClr val="tx1">
                     <a:lumMod val="95000"/>
@@ -6738,19 +6674,19 @@
           </a:p>
           <a:p>
             <a:r>
-              <a:rPr lang="en-SG" dirty="0">
+              <a:rPr lang="en-SG" sz="1800" dirty="0">
                 <a:solidFill>
                   <a:schemeClr val="tx1">
                     <a:lumMod val="95000"/>
                   </a:schemeClr>
                 </a:solidFill>
               </a:rPr>
-              <a:t>Although the learning curve was smooth, it took too long to converge, even with a relatively high learning rate</a:t>
-            </a:r>
-          </a:p>
-          <a:p>
-            <a:r>
-              <a:rPr lang="en-SG" dirty="0">
+              <a:t>The learning curve was not smooth and it took extremely long (~1h) to converge, even with a relatively high learning rate</a:t>
+            </a:r>
+          </a:p>
+          <a:p>
+            <a:r>
+              <a:rPr lang="en-SG" sz="1800" dirty="0">
                 <a:solidFill>
                   <a:schemeClr val="tx1">
                     <a:lumMod val="95000"/>
@@ -6762,7 +6698,7 @@
           </a:p>
           <a:p>
             <a:r>
-              <a:rPr lang="en-SG" dirty="0">
+              <a:rPr lang="en-SG" sz="1800" dirty="0">
                 <a:solidFill>
                   <a:schemeClr val="tx1">
                     <a:lumMod val="95000"/>
@@ -6771,7 +6707,7 @@
               </a:rPr>
               <a:t>Therefore, the final model used coloured data with no image augmentation</a:t>
             </a:r>
-            <a:endParaRPr lang="en-GB" dirty="0">
+            <a:endParaRPr lang="en-GB" sz="1800" dirty="0">
               <a:solidFill>
                 <a:schemeClr val="tx1">
                   <a:lumMod val="95000"/>
@@ -6803,7 +6739,7 @@
         </p:blipFill>
         <p:spPr>
           <a:xfrm>
-            <a:off x="6470033" y="1795720"/>
+            <a:off x="5882615" y="2592980"/>
             <a:ext cx="2929149" cy="2384473"/>
           </a:xfrm>
           <a:prstGeom prst="rect">
@@ -6833,8 +6769,8 @@
         </p:blipFill>
         <p:spPr>
           <a:xfrm>
-            <a:off x="8575461" y="3663395"/>
-            <a:ext cx="3395515" cy="2269571"/>
+            <a:off x="9072732" y="4146106"/>
+            <a:ext cx="2778030" cy="1856842"/>
           </a:xfrm>
           <a:prstGeom prst="rect">
             <a:avLst/>
@@ -6855,8 +6791,8 @@
         </p:nvSpPr>
         <p:spPr>
           <a:xfrm>
-            <a:off x="8575461" y="6031076"/>
-            <a:ext cx="3395515" cy="646331"/>
+            <a:off x="9072732" y="6031076"/>
+            <a:ext cx="2778030" cy="646331"/>
           </a:xfrm>
           <a:prstGeom prst="rect">
             <a:avLst/>
@@ -6873,6 +6809,73 @@
             <a:r>
               <a:rPr lang="en-SG" dirty="0"/>
               <a:t>Learning Curve with Augmentation</a:t>
+            </a:r>
+            <a:endParaRPr lang="en-GB" dirty="0"/>
+          </a:p>
+        </p:txBody>
+      </p:sp>
+      <p:pic>
+        <p:nvPicPr>
+          <p:cNvPr id="6" name="Picture 5">
+            <a:extLst>
+              <a:ext uri="{FF2B5EF4-FFF2-40B4-BE49-F238E27FC236}">
+                <a16:creationId xmlns:a16="http://schemas.microsoft.com/office/drawing/2014/main" id="{D8AE218B-BEB3-4EC6-8EE8-768270954511}"/>
+              </a:ext>
+            </a:extLst>
+          </p:cNvPr>
+          <p:cNvPicPr>
+            <a:picLocks noChangeAspect="1"/>
+          </p:cNvPicPr>
+          <p:nvPr/>
+        </p:nvPicPr>
+        <p:blipFill>
+          <a:blip r:embed="rId4"/>
+          <a:stretch>
+            <a:fillRect/>
+          </a:stretch>
+        </p:blipFill>
+        <p:spPr>
+          <a:xfrm>
+            <a:off x="9072732" y="1681439"/>
+            <a:ext cx="2778029" cy="1823082"/>
+          </a:xfrm>
+          <a:prstGeom prst="rect">
+            <a:avLst/>
+          </a:prstGeom>
+        </p:spPr>
+      </p:pic>
+      <p:sp>
+        <p:nvSpPr>
+          <p:cNvPr id="9" name="TextBox 8">
+            <a:extLst>
+              <a:ext uri="{FF2B5EF4-FFF2-40B4-BE49-F238E27FC236}">
+                <a16:creationId xmlns:a16="http://schemas.microsoft.com/office/drawing/2014/main" id="{45562CAB-91C0-4AF5-BF49-53F7720729AD}"/>
+              </a:ext>
+            </a:extLst>
+          </p:cNvPr>
+          <p:cNvSpPr txBox="1"/>
+          <p:nvPr/>
+        </p:nvSpPr>
+        <p:spPr>
+          <a:xfrm>
+            <a:off x="9072731" y="991675"/>
+            <a:ext cx="2778030" cy="646331"/>
+          </a:xfrm>
+          <a:prstGeom prst="rect">
+            <a:avLst/>
+          </a:prstGeom>
+          <a:noFill/>
+        </p:spPr>
+        <p:txBody>
+          <a:bodyPr wrap="square" rtlCol="0">
+            <a:spAutoFit/>
+          </a:bodyPr>
+          <a:lstStyle/>
+          <a:p>
+            <a:pPr algn="r"/>
+            <a:r>
+              <a:rPr lang="en-SG" dirty="0"/>
+              <a:t>Learning Curve with Grayscale Data</a:t>
             </a:r>
             <a:endParaRPr lang="en-GB" dirty="0"/>
           </a:p>
@@ -7184,6 +7187,16 @@
                   <a:schemeClr val="tx1"/>
                 </a:solidFill>
               </a:rPr>
+              <a:t>In general, the model predicts vehicles better than animals</a:t>
+            </a:r>
+          </a:p>
+          <a:p>
+            <a:r>
+              <a:rPr lang="en-SG" dirty="0">
+                <a:solidFill>
+                  <a:schemeClr val="tx1"/>
+                </a:solidFill>
+              </a:rPr>
               <a:t>Given the resolution of the images, this is a reasonable shortcoming</a:t>
             </a:r>
           </a:p>
@@ -7194,7 +7207,7 @@
                   <a:schemeClr val="tx1"/>
                 </a:solidFill>
               </a:rPr>
-              <a:t>Of the most confident predictions, the model always gets the general type correct (vehicle/animal) but mistakes their specific category</a:t>
+              <a:t>For the most confident predictions, the model always gets the general type correct (vehicle/animal)</a:t>
             </a:r>
           </a:p>
           <a:p>
@@ -7204,7 +7217,7 @@
                   <a:schemeClr val="tx1"/>
                 </a:solidFill>
               </a:rPr>
-              <a:t>For the bottom right image, of which the model is unsure, I also cannot deduce what it is</a:t>
+              <a:t>For the bottom left image, of which the model is unsure, I also cannot deduce what it is</a:t>
             </a:r>
           </a:p>
           <a:p>
@@ -7214,17 +7227,7 @@
                   <a:schemeClr val="tx1"/>
                 </a:solidFill>
               </a:rPr>
-              <a:t>The model predicts the ship image (bottom left) to be an animal, and is therefore wrong on all its top choices</a:t>
-            </a:r>
-          </a:p>
-          <a:p>
-            <a:r>
-              <a:rPr lang="en-SG" dirty="0">
-                <a:solidFill>
-                  <a:schemeClr val="tx1"/>
-                </a:solidFill>
-              </a:rPr>
-              <a:t>In general, the model predicts vehicles better than animals</a:t>
+              <a:t>The model predicts the ship image (bottom right) to be an animal, and is therefore wrong on all accounts</a:t>
             </a:r>
           </a:p>
         </p:txBody>
@@ -7311,7 +7314,7 @@
         </p:blipFill>
         <p:spPr>
           <a:xfrm>
-            <a:off x="10157135" y="4945927"/>
+            <a:off x="8389492" y="4945927"/>
             <a:ext cx="1767643" cy="1858136"/>
           </a:xfrm>
           <a:prstGeom prst="rect">
@@ -7341,7 +7344,7 @@
         </p:blipFill>
         <p:spPr>
           <a:xfrm>
-            <a:off x="8388579" y="4945926"/>
+            <a:off x="10341323" y="4945926"/>
             <a:ext cx="1584368" cy="1858137"/>
           </a:xfrm>
           <a:prstGeom prst="rect">
